--- a/ppt 16-9/0995.深信主能.pptx
+++ b/ppt 16-9/0995.深信主能.pptx
@@ -5,7 +5,7 @@
     <p:sldMasterId id="2147483648" r:id="rId1"/>
   </p:sldMasterIdLst>
   <p:sldIdLst>
-    <p:sldId id="402" r:id="rId2"/>
+    <p:sldId id="404" r:id="rId2"/>
   </p:sldIdLst>
   <p:sldSz cx="12192000" cy="6858000"/>
   <p:notesSz cx="6858000" cy="9144000"/>
@@ -129,7 +129,7 @@
           <p:cNvPr id="2" name="标题 1">
             <a:extLst>
               <a:ext uri="{FF2B5EF4-FFF2-40B4-BE49-F238E27FC236}">
-                <a16:creationId xmlns:a16="http://schemas.microsoft.com/office/drawing/2014/main" id="{679CF1A9-86D8-E6F1-B45C-86F9683DB912}"/>
+                <a16:creationId xmlns:a16="http://schemas.microsoft.com/office/drawing/2014/main" id="{83AAB58D-FB2C-B4A6-4ACA-5108549D7E0D}"/>
               </a:ext>
             </a:extLst>
           </p:cNvPr>
@@ -166,7 +166,7 @@
           <p:cNvPr id="3" name="副标题 2">
             <a:extLst>
               <a:ext uri="{FF2B5EF4-FFF2-40B4-BE49-F238E27FC236}">
-                <a16:creationId xmlns:a16="http://schemas.microsoft.com/office/drawing/2014/main" id="{9461AF10-7769-E628-5BBD-D445F19512A2}"/>
+                <a16:creationId xmlns:a16="http://schemas.microsoft.com/office/drawing/2014/main" id="{C7125785-CB4D-DE26-1590-C14D7804AE5C}"/>
               </a:ext>
             </a:extLst>
           </p:cNvPr>
@@ -236,7 +236,7 @@
           <p:cNvPr id="4" name="日期占位符 3">
             <a:extLst>
               <a:ext uri="{FF2B5EF4-FFF2-40B4-BE49-F238E27FC236}">
-                <a16:creationId xmlns:a16="http://schemas.microsoft.com/office/drawing/2014/main" id="{69A2FAA5-116D-E984-0F8E-131A017BA70E}"/>
+                <a16:creationId xmlns:a16="http://schemas.microsoft.com/office/drawing/2014/main" id="{AA71EF8A-51C2-20B4-BB4A-658EF4907863}"/>
               </a:ext>
             </a:extLst>
           </p:cNvPr>
@@ -252,7 +252,7 @@
           <a:bodyPr/>
           <a:lstStyle/>
           <a:p>
-            <a:fld id="{9A800760-57F1-41CE-909C-269F744CA588}" type="datetimeFigureOut">
+            <a:fld id="{676C16A1-3315-40CF-8FE0-64E9CCEC4C9A}" type="datetimeFigureOut">
               <a:rPr lang="zh-CN" altLang="en-US" smtClean="0"/>
               <a:t>2024/3/10</a:t>
             </a:fld>
@@ -265,7 +265,7 @@
           <p:cNvPr id="5" name="页脚占位符 4">
             <a:extLst>
               <a:ext uri="{FF2B5EF4-FFF2-40B4-BE49-F238E27FC236}">
-                <a16:creationId xmlns:a16="http://schemas.microsoft.com/office/drawing/2014/main" id="{121E59BF-4B31-B76B-1095-1EA5D63FB95E}"/>
+                <a16:creationId xmlns:a16="http://schemas.microsoft.com/office/drawing/2014/main" id="{F0794599-17D7-755F-5B1E-FAA910A2337E}"/>
               </a:ext>
             </a:extLst>
           </p:cNvPr>
@@ -290,7 +290,7 @@
           <p:cNvPr id="6" name="灯片编号占位符 5">
             <a:extLst>
               <a:ext uri="{FF2B5EF4-FFF2-40B4-BE49-F238E27FC236}">
-                <a16:creationId xmlns:a16="http://schemas.microsoft.com/office/drawing/2014/main" id="{D4963150-5C06-1BA0-4180-F9E1AF2ED3EB}"/>
+                <a16:creationId xmlns:a16="http://schemas.microsoft.com/office/drawing/2014/main" id="{46EBECE3-3B33-E666-819F-E6E882308264}"/>
               </a:ext>
             </a:extLst>
           </p:cNvPr>
@@ -306,7 +306,7 @@
           <a:bodyPr/>
           <a:lstStyle/>
           <a:p>
-            <a:fld id="{4E4EBC9F-A1C5-4953-AE33-DC13D494462B}" type="slidenum">
+            <a:fld id="{233356D7-F71D-4419-B171-20A966682260}" type="slidenum">
               <a:rPr lang="zh-CN" altLang="en-US" smtClean="0"/>
               <a:t>‹#›</a:t>
             </a:fld>
@@ -317,7 +317,7 @@
     </p:spTree>
     <p:extLst>
       <p:ext uri="{BB962C8B-B14F-4D97-AF65-F5344CB8AC3E}">
-        <p14:creationId xmlns:p14="http://schemas.microsoft.com/office/powerpoint/2010/main" val="2464125938"/>
+        <p14:creationId xmlns:p14="http://schemas.microsoft.com/office/powerpoint/2010/main" val="3189795414"/>
       </p:ext>
     </p:extLst>
   </p:cSld>
@@ -349,7 +349,7 @@
           <p:cNvPr id="2" name="标题 1">
             <a:extLst>
               <a:ext uri="{FF2B5EF4-FFF2-40B4-BE49-F238E27FC236}">
-                <a16:creationId xmlns:a16="http://schemas.microsoft.com/office/drawing/2014/main" id="{F619657C-B4AD-D670-7E28-232284D97D8B}"/>
+                <a16:creationId xmlns:a16="http://schemas.microsoft.com/office/drawing/2014/main" id="{B65ADD82-4504-EB72-2CAF-F14724C92BC8}"/>
               </a:ext>
             </a:extLst>
           </p:cNvPr>
@@ -377,7 +377,7 @@
           <p:cNvPr id="3" name="竖排文字占位符 2">
             <a:extLst>
               <a:ext uri="{FF2B5EF4-FFF2-40B4-BE49-F238E27FC236}">
-                <a16:creationId xmlns:a16="http://schemas.microsoft.com/office/drawing/2014/main" id="{44BEE5BE-B3C7-8098-0FD8-3CE9BB240F44}"/>
+                <a16:creationId xmlns:a16="http://schemas.microsoft.com/office/drawing/2014/main" id="{A8FD1162-A4EA-7066-BB0C-96991B9E4AA3}"/>
               </a:ext>
             </a:extLst>
           </p:cNvPr>
@@ -434,7 +434,7 @@
           <p:cNvPr id="4" name="日期占位符 3">
             <a:extLst>
               <a:ext uri="{FF2B5EF4-FFF2-40B4-BE49-F238E27FC236}">
-                <a16:creationId xmlns:a16="http://schemas.microsoft.com/office/drawing/2014/main" id="{71775095-C378-180F-32E0-A0034F74C6DC}"/>
+                <a16:creationId xmlns:a16="http://schemas.microsoft.com/office/drawing/2014/main" id="{098FB51D-DBA0-FD89-F0DD-122E2F4D193C}"/>
               </a:ext>
             </a:extLst>
           </p:cNvPr>
@@ -450,7 +450,7 @@
           <a:bodyPr/>
           <a:lstStyle/>
           <a:p>
-            <a:fld id="{9A800760-57F1-41CE-909C-269F744CA588}" type="datetimeFigureOut">
+            <a:fld id="{676C16A1-3315-40CF-8FE0-64E9CCEC4C9A}" type="datetimeFigureOut">
               <a:rPr lang="zh-CN" altLang="en-US" smtClean="0"/>
               <a:t>2024/3/10</a:t>
             </a:fld>
@@ -463,7 +463,7 @@
           <p:cNvPr id="5" name="页脚占位符 4">
             <a:extLst>
               <a:ext uri="{FF2B5EF4-FFF2-40B4-BE49-F238E27FC236}">
-                <a16:creationId xmlns:a16="http://schemas.microsoft.com/office/drawing/2014/main" id="{85235CFA-3A3D-7CBD-C92C-6D5F85E1173F}"/>
+                <a16:creationId xmlns:a16="http://schemas.microsoft.com/office/drawing/2014/main" id="{6885A96F-529D-CFFB-2E0A-B01463C0AB81}"/>
               </a:ext>
             </a:extLst>
           </p:cNvPr>
@@ -488,7 +488,7 @@
           <p:cNvPr id="6" name="灯片编号占位符 5">
             <a:extLst>
               <a:ext uri="{FF2B5EF4-FFF2-40B4-BE49-F238E27FC236}">
-                <a16:creationId xmlns:a16="http://schemas.microsoft.com/office/drawing/2014/main" id="{B8EE3195-10E4-1070-7B33-0D8E42B7FEAB}"/>
+                <a16:creationId xmlns:a16="http://schemas.microsoft.com/office/drawing/2014/main" id="{1AE8837A-76C6-ADF3-44EB-3A411CF07894}"/>
               </a:ext>
             </a:extLst>
           </p:cNvPr>
@@ -504,7 +504,7 @@
           <a:bodyPr/>
           <a:lstStyle/>
           <a:p>
-            <a:fld id="{4E4EBC9F-A1C5-4953-AE33-DC13D494462B}" type="slidenum">
+            <a:fld id="{233356D7-F71D-4419-B171-20A966682260}" type="slidenum">
               <a:rPr lang="zh-CN" altLang="en-US" smtClean="0"/>
               <a:t>‹#›</a:t>
             </a:fld>
@@ -515,7 +515,7 @@
     </p:spTree>
     <p:extLst>
       <p:ext uri="{BB962C8B-B14F-4D97-AF65-F5344CB8AC3E}">
-        <p14:creationId xmlns:p14="http://schemas.microsoft.com/office/powerpoint/2010/main" val="2341433502"/>
+        <p14:creationId xmlns:p14="http://schemas.microsoft.com/office/powerpoint/2010/main" val="2768548792"/>
       </p:ext>
     </p:extLst>
   </p:cSld>
@@ -547,7 +547,7 @@
           <p:cNvPr id="2" name="竖排标题 1">
             <a:extLst>
               <a:ext uri="{FF2B5EF4-FFF2-40B4-BE49-F238E27FC236}">
-                <a16:creationId xmlns:a16="http://schemas.microsoft.com/office/drawing/2014/main" id="{3020F0F6-B8A5-D25D-D3DA-329D4BC36536}"/>
+                <a16:creationId xmlns:a16="http://schemas.microsoft.com/office/drawing/2014/main" id="{3DE45884-0DF5-2D08-23C4-0DD2014BC835}"/>
               </a:ext>
             </a:extLst>
           </p:cNvPr>
@@ -580,7 +580,7 @@
           <p:cNvPr id="3" name="竖排文字占位符 2">
             <a:extLst>
               <a:ext uri="{FF2B5EF4-FFF2-40B4-BE49-F238E27FC236}">
-                <a16:creationId xmlns:a16="http://schemas.microsoft.com/office/drawing/2014/main" id="{942E875E-1A37-6A8B-3622-A03F5F7342CE}"/>
+                <a16:creationId xmlns:a16="http://schemas.microsoft.com/office/drawing/2014/main" id="{A5D42098-5349-C4ED-4711-22C9ABC80A28}"/>
               </a:ext>
             </a:extLst>
           </p:cNvPr>
@@ -642,7 +642,7 @@
           <p:cNvPr id="4" name="日期占位符 3">
             <a:extLst>
               <a:ext uri="{FF2B5EF4-FFF2-40B4-BE49-F238E27FC236}">
-                <a16:creationId xmlns:a16="http://schemas.microsoft.com/office/drawing/2014/main" id="{EDCBD483-F061-BE17-78A1-1109E1C6634D}"/>
+                <a16:creationId xmlns:a16="http://schemas.microsoft.com/office/drawing/2014/main" id="{A27C1E46-5D80-2F97-5B8C-7A4403EA637E}"/>
               </a:ext>
             </a:extLst>
           </p:cNvPr>
@@ -658,7 +658,7 @@
           <a:bodyPr/>
           <a:lstStyle/>
           <a:p>
-            <a:fld id="{9A800760-57F1-41CE-909C-269F744CA588}" type="datetimeFigureOut">
+            <a:fld id="{676C16A1-3315-40CF-8FE0-64E9CCEC4C9A}" type="datetimeFigureOut">
               <a:rPr lang="zh-CN" altLang="en-US" smtClean="0"/>
               <a:t>2024/3/10</a:t>
             </a:fld>
@@ -671,7 +671,7 @@
           <p:cNvPr id="5" name="页脚占位符 4">
             <a:extLst>
               <a:ext uri="{FF2B5EF4-FFF2-40B4-BE49-F238E27FC236}">
-                <a16:creationId xmlns:a16="http://schemas.microsoft.com/office/drawing/2014/main" id="{E552F453-C18A-2F35-F135-E12409CCB995}"/>
+                <a16:creationId xmlns:a16="http://schemas.microsoft.com/office/drawing/2014/main" id="{92CD7B04-0ECD-2CE1-95ED-C86E780B193C}"/>
               </a:ext>
             </a:extLst>
           </p:cNvPr>
@@ -696,7 +696,7 @@
           <p:cNvPr id="6" name="灯片编号占位符 5">
             <a:extLst>
               <a:ext uri="{FF2B5EF4-FFF2-40B4-BE49-F238E27FC236}">
-                <a16:creationId xmlns:a16="http://schemas.microsoft.com/office/drawing/2014/main" id="{27768CA5-1107-0C4E-5C44-6768E8EF7467}"/>
+                <a16:creationId xmlns:a16="http://schemas.microsoft.com/office/drawing/2014/main" id="{21E9B94B-98D4-2CA9-E580-6C690767FFD2}"/>
               </a:ext>
             </a:extLst>
           </p:cNvPr>
@@ -712,7 +712,7 @@
           <a:bodyPr/>
           <a:lstStyle/>
           <a:p>
-            <a:fld id="{4E4EBC9F-A1C5-4953-AE33-DC13D494462B}" type="slidenum">
+            <a:fld id="{233356D7-F71D-4419-B171-20A966682260}" type="slidenum">
               <a:rPr lang="zh-CN" altLang="en-US" smtClean="0"/>
               <a:t>‹#›</a:t>
             </a:fld>
@@ -723,7 +723,7 @@
     </p:spTree>
     <p:extLst>
       <p:ext uri="{BB962C8B-B14F-4D97-AF65-F5344CB8AC3E}">
-        <p14:creationId xmlns:p14="http://schemas.microsoft.com/office/powerpoint/2010/main" val="1872968030"/>
+        <p14:creationId xmlns:p14="http://schemas.microsoft.com/office/powerpoint/2010/main" val="1615675978"/>
       </p:ext>
     </p:extLst>
   </p:cSld>
@@ -755,7 +755,7 @@
           <p:cNvPr id="2" name="标题 1">
             <a:extLst>
               <a:ext uri="{FF2B5EF4-FFF2-40B4-BE49-F238E27FC236}">
-                <a16:creationId xmlns:a16="http://schemas.microsoft.com/office/drawing/2014/main" id="{4CA4BC1E-1B4E-9EB5-F398-D653BBF1A3C0}"/>
+                <a16:creationId xmlns:a16="http://schemas.microsoft.com/office/drawing/2014/main" id="{7D847478-2C91-026B-9FA5-0CDE5A0A2B9D}"/>
               </a:ext>
             </a:extLst>
           </p:cNvPr>
@@ -783,7 +783,7 @@
           <p:cNvPr id="3" name="内容占位符 2">
             <a:extLst>
               <a:ext uri="{FF2B5EF4-FFF2-40B4-BE49-F238E27FC236}">
-                <a16:creationId xmlns:a16="http://schemas.microsoft.com/office/drawing/2014/main" id="{0F51C4FB-B4D8-C7BD-BACE-16545B269104}"/>
+                <a16:creationId xmlns:a16="http://schemas.microsoft.com/office/drawing/2014/main" id="{F8E07EE9-94C2-BA86-C4B2-A41B3B972EF8}"/>
               </a:ext>
             </a:extLst>
           </p:cNvPr>
@@ -840,7 +840,7 @@
           <p:cNvPr id="4" name="日期占位符 3">
             <a:extLst>
               <a:ext uri="{FF2B5EF4-FFF2-40B4-BE49-F238E27FC236}">
-                <a16:creationId xmlns:a16="http://schemas.microsoft.com/office/drawing/2014/main" id="{5B52D0DA-13F0-D175-1FA3-C6793983751D}"/>
+                <a16:creationId xmlns:a16="http://schemas.microsoft.com/office/drawing/2014/main" id="{18AC2F0B-70C7-8D7D-3556-FDF5B749FE44}"/>
               </a:ext>
             </a:extLst>
           </p:cNvPr>
@@ -856,7 +856,7 @@
           <a:bodyPr/>
           <a:lstStyle/>
           <a:p>
-            <a:fld id="{9A800760-57F1-41CE-909C-269F744CA588}" type="datetimeFigureOut">
+            <a:fld id="{676C16A1-3315-40CF-8FE0-64E9CCEC4C9A}" type="datetimeFigureOut">
               <a:rPr lang="zh-CN" altLang="en-US" smtClean="0"/>
               <a:t>2024/3/10</a:t>
             </a:fld>
@@ -869,7 +869,7 @@
           <p:cNvPr id="5" name="页脚占位符 4">
             <a:extLst>
               <a:ext uri="{FF2B5EF4-FFF2-40B4-BE49-F238E27FC236}">
-                <a16:creationId xmlns:a16="http://schemas.microsoft.com/office/drawing/2014/main" id="{F4298C31-F934-90F8-4F95-3653FC3CECAE}"/>
+                <a16:creationId xmlns:a16="http://schemas.microsoft.com/office/drawing/2014/main" id="{FE9E77B6-A402-523D-53F5-5CCD12AE5451}"/>
               </a:ext>
             </a:extLst>
           </p:cNvPr>
@@ -894,7 +894,7 @@
           <p:cNvPr id="6" name="灯片编号占位符 5">
             <a:extLst>
               <a:ext uri="{FF2B5EF4-FFF2-40B4-BE49-F238E27FC236}">
-                <a16:creationId xmlns:a16="http://schemas.microsoft.com/office/drawing/2014/main" id="{4CFA3905-D15C-9D57-139E-6BD0E6E6914A}"/>
+                <a16:creationId xmlns:a16="http://schemas.microsoft.com/office/drawing/2014/main" id="{BA74BC4A-914B-D2E2-C0D7-6948703AA5BA}"/>
               </a:ext>
             </a:extLst>
           </p:cNvPr>
@@ -910,7 +910,7 @@
           <a:bodyPr/>
           <a:lstStyle/>
           <a:p>
-            <a:fld id="{4E4EBC9F-A1C5-4953-AE33-DC13D494462B}" type="slidenum">
+            <a:fld id="{233356D7-F71D-4419-B171-20A966682260}" type="slidenum">
               <a:rPr lang="zh-CN" altLang="en-US" smtClean="0"/>
               <a:t>‹#›</a:t>
             </a:fld>
@@ -921,7 +921,7 @@
     </p:spTree>
     <p:extLst>
       <p:ext uri="{BB962C8B-B14F-4D97-AF65-F5344CB8AC3E}">
-        <p14:creationId xmlns:p14="http://schemas.microsoft.com/office/powerpoint/2010/main" val="1532491770"/>
+        <p14:creationId xmlns:p14="http://schemas.microsoft.com/office/powerpoint/2010/main" val="1067968768"/>
       </p:ext>
     </p:extLst>
   </p:cSld>
@@ -953,7 +953,7 @@
           <p:cNvPr id="2" name="标题 1">
             <a:extLst>
               <a:ext uri="{FF2B5EF4-FFF2-40B4-BE49-F238E27FC236}">
-                <a16:creationId xmlns:a16="http://schemas.microsoft.com/office/drawing/2014/main" id="{AD284BDB-383C-61DF-925E-3E4EBF4763C8}"/>
+                <a16:creationId xmlns:a16="http://schemas.microsoft.com/office/drawing/2014/main" id="{12B5C2BE-88BE-EE82-AF9B-03ABA48B7217}"/>
               </a:ext>
             </a:extLst>
           </p:cNvPr>
@@ -990,7 +990,7 @@
           <p:cNvPr id="3" name="文本占位符 2">
             <a:extLst>
               <a:ext uri="{FF2B5EF4-FFF2-40B4-BE49-F238E27FC236}">
-                <a16:creationId xmlns:a16="http://schemas.microsoft.com/office/drawing/2014/main" id="{D3BD0B98-785B-458C-E216-6F913D149250}"/>
+                <a16:creationId xmlns:a16="http://schemas.microsoft.com/office/drawing/2014/main" id="{EB9A4DA7-15DF-4330-31D7-554C42BFBE4E}"/>
               </a:ext>
             </a:extLst>
           </p:cNvPr>
@@ -1115,7 +1115,7 @@
           <p:cNvPr id="4" name="日期占位符 3">
             <a:extLst>
               <a:ext uri="{FF2B5EF4-FFF2-40B4-BE49-F238E27FC236}">
-                <a16:creationId xmlns:a16="http://schemas.microsoft.com/office/drawing/2014/main" id="{2054F18C-21CF-4D4B-9DDC-6D92ADD7A7C8}"/>
+                <a16:creationId xmlns:a16="http://schemas.microsoft.com/office/drawing/2014/main" id="{F41787CE-D48E-4FDE-1C9B-CE5A14A6BF2F}"/>
               </a:ext>
             </a:extLst>
           </p:cNvPr>
@@ -1131,7 +1131,7 @@
           <a:bodyPr/>
           <a:lstStyle/>
           <a:p>
-            <a:fld id="{9A800760-57F1-41CE-909C-269F744CA588}" type="datetimeFigureOut">
+            <a:fld id="{676C16A1-3315-40CF-8FE0-64E9CCEC4C9A}" type="datetimeFigureOut">
               <a:rPr lang="zh-CN" altLang="en-US" smtClean="0"/>
               <a:t>2024/3/10</a:t>
             </a:fld>
@@ -1144,7 +1144,7 @@
           <p:cNvPr id="5" name="页脚占位符 4">
             <a:extLst>
               <a:ext uri="{FF2B5EF4-FFF2-40B4-BE49-F238E27FC236}">
-                <a16:creationId xmlns:a16="http://schemas.microsoft.com/office/drawing/2014/main" id="{23678546-CABA-477C-4AB8-128DB80A9783}"/>
+                <a16:creationId xmlns:a16="http://schemas.microsoft.com/office/drawing/2014/main" id="{F43B289D-C85D-574E-9A75-8B24AFA7BD70}"/>
               </a:ext>
             </a:extLst>
           </p:cNvPr>
@@ -1169,7 +1169,7 @@
           <p:cNvPr id="6" name="灯片编号占位符 5">
             <a:extLst>
               <a:ext uri="{FF2B5EF4-FFF2-40B4-BE49-F238E27FC236}">
-                <a16:creationId xmlns:a16="http://schemas.microsoft.com/office/drawing/2014/main" id="{7F569B74-FFF8-DE31-F505-174A781B6A64}"/>
+                <a16:creationId xmlns:a16="http://schemas.microsoft.com/office/drawing/2014/main" id="{F85B8D82-E027-A9E6-381A-3AB052962304}"/>
               </a:ext>
             </a:extLst>
           </p:cNvPr>
@@ -1185,7 +1185,7 @@
           <a:bodyPr/>
           <a:lstStyle/>
           <a:p>
-            <a:fld id="{4E4EBC9F-A1C5-4953-AE33-DC13D494462B}" type="slidenum">
+            <a:fld id="{233356D7-F71D-4419-B171-20A966682260}" type="slidenum">
               <a:rPr lang="zh-CN" altLang="en-US" smtClean="0"/>
               <a:t>‹#›</a:t>
             </a:fld>
@@ -1196,7 +1196,7 @@
     </p:spTree>
     <p:extLst>
       <p:ext uri="{BB962C8B-B14F-4D97-AF65-F5344CB8AC3E}">
-        <p14:creationId xmlns:p14="http://schemas.microsoft.com/office/powerpoint/2010/main" val="3124369427"/>
+        <p14:creationId xmlns:p14="http://schemas.microsoft.com/office/powerpoint/2010/main" val="2467143631"/>
       </p:ext>
     </p:extLst>
   </p:cSld>
@@ -1228,7 +1228,7 @@
           <p:cNvPr id="2" name="标题 1">
             <a:extLst>
               <a:ext uri="{FF2B5EF4-FFF2-40B4-BE49-F238E27FC236}">
-                <a16:creationId xmlns:a16="http://schemas.microsoft.com/office/drawing/2014/main" id="{37669160-F138-953E-E605-A60DD6ED7B73}"/>
+                <a16:creationId xmlns:a16="http://schemas.microsoft.com/office/drawing/2014/main" id="{905C7947-771C-0F30-D280-5424783AC255}"/>
               </a:ext>
             </a:extLst>
           </p:cNvPr>
@@ -1256,7 +1256,7 @@
           <p:cNvPr id="3" name="内容占位符 2">
             <a:extLst>
               <a:ext uri="{FF2B5EF4-FFF2-40B4-BE49-F238E27FC236}">
-                <a16:creationId xmlns:a16="http://schemas.microsoft.com/office/drawing/2014/main" id="{33483F2B-B0A6-22DF-5452-EEB5CC0ABD16}"/>
+                <a16:creationId xmlns:a16="http://schemas.microsoft.com/office/drawing/2014/main" id="{0B6D4C02-0D23-ABBD-23B7-DB5B73A9C303}"/>
               </a:ext>
             </a:extLst>
           </p:cNvPr>
@@ -1318,7 +1318,7 @@
           <p:cNvPr id="4" name="内容占位符 3">
             <a:extLst>
               <a:ext uri="{FF2B5EF4-FFF2-40B4-BE49-F238E27FC236}">
-                <a16:creationId xmlns:a16="http://schemas.microsoft.com/office/drawing/2014/main" id="{76C2C430-744D-72B1-F6BF-ADA058F74416}"/>
+                <a16:creationId xmlns:a16="http://schemas.microsoft.com/office/drawing/2014/main" id="{CDEA3E5B-ECED-934C-7639-070DC82A00F6}"/>
               </a:ext>
             </a:extLst>
           </p:cNvPr>
@@ -1380,7 +1380,7 @@
           <p:cNvPr id="5" name="日期占位符 4">
             <a:extLst>
               <a:ext uri="{FF2B5EF4-FFF2-40B4-BE49-F238E27FC236}">
-                <a16:creationId xmlns:a16="http://schemas.microsoft.com/office/drawing/2014/main" id="{9513A851-6BC7-C78F-C0B9-04B211B73395}"/>
+                <a16:creationId xmlns:a16="http://schemas.microsoft.com/office/drawing/2014/main" id="{C52466C5-B379-4F55-E261-528A2F3D15E5}"/>
               </a:ext>
             </a:extLst>
           </p:cNvPr>
@@ -1396,7 +1396,7 @@
           <a:bodyPr/>
           <a:lstStyle/>
           <a:p>
-            <a:fld id="{9A800760-57F1-41CE-909C-269F744CA588}" type="datetimeFigureOut">
+            <a:fld id="{676C16A1-3315-40CF-8FE0-64E9CCEC4C9A}" type="datetimeFigureOut">
               <a:rPr lang="zh-CN" altLang="en-US" smtClean="0"/>
               <a:t>2024/3/10</a:t>
             </a:fld>
@@ -1409,7 +1409,7 @@
           <p:cNvPr id="6" name="页脚占位符 5">
             <a:extLst>
               <a:ext uri="{FF2B5EF4-FFF2-40B4-BE49-F238E27FC236}">
-                <a16:creationId xmlns:a16="http://schemas.microsoft.com/office/drawing/2014/main" id="{3928D775-EFAC-32AA-6C44-B5AAE8235BFE}"/>
+                <a16:creationId xmlns:a16="http://schemas.microsoft.com/office/drawing/2014/main" id="{504EF6A8-C1EA-1DE7-3E24-0E843489D263}"/>
               </a:ext>
             </a:extLst>
           </p:cNvPr>
@@ -1434,7 +1434,7 @@
           <p:cNvPr id="7" name="灯片编号占位符 6">
             <a:extLst>
               <a:ext uri="{FF2B5EF4-FFF2-40B4-BE49-F238E27FC236}">
-                <a16:creationId xmlns:a16="http://schemas.microsoft.com/office/drawing/2014/main" id="{963B3768-8D39-4625-8473-EC326B0E9205}"/>
+                <a16:creationId xmlns:a16="http://schemas.microsoft.com/office/drawing/2014/main" id="{C41D8685-6397-109A-6658-585EB2532030}"/>
               </a:ext>
             </a:extLst>
           </p:cNvPr>
@@ -1450,7 +1450,7 @@
           <a:bodyPr/>
           <a:lstStyle/>
           <a:p>
-            <a:fld id="{4E4EBC9F-A1C5-4953-AE33-DC13D494462B}" type="slidenum">
+            <a:fld id="{233356D7-F71D-4419-B171-20A966682260}" type="slidenum">
               <a:rPr lang="zh-CN" altLang="en-US" smtClean="0"/>
               <a:t>‹#›</a:t>
             </a:fld>
@@ -1461,7 +1461,7 @@
     </p:spTree>
     <p:extLst>
       <p:ext uri="{BB962C8B-B14F-4D97-AF65-F5344CB8AC3E}">
-        <p14:creationId xmlns:p14="http://schemas.microsoft.com/office/powerpoint/2010/main" val="91005581"/>
+        <p14:creationId xmlns:p14="http://schemas.microsoft.com/office/powerpoint/2010/main" val="2638286344"/>
       </p:ext>
     </p:extLst>
   </p:cSld>
@@ -1493,7 +1493,7 @@
           <p:cNvPr id="2" name="标题 1">
             <a:extLst>
               <a:ext uri="{FF2B5EF4-FFF2-40B4-BE49-F238E27FC236}">
-                <a16:creationId xmlns:a16="http://schemas.microsoft.com/office/drawing/2014/main" id="{CEC01B54-A480-7194-A662-5B52730E0F61}"/>
+                <a16:creationId xmlns:a16="http://schemas.microsoft.com/office/drawing/2014/main" id="{7149180F-7B56-26FD-B9E4-B989FDB602D0}"/>
               </a:ext>
             </a:extLst>
           </p:cNvPr>
@@ -1526,7 +1526,7 @@
           <p:cNvPr id="3" name="文本占位符 2">
             <a:extLst>
               <a:ext uri="{FF2B5EF4-FFF2-40B4-BE49-F238E27FC236}">
-                <a16:creationId xmlns:a16="http://schemas.microsoft.com/office/drawing/2014/main" id="{96189279-29E7-77BF-29FF-1D56572D229A}"/>
+                <a16:creationId xmlns:a16="http://schemas.microsoft.com/office/drawing/2014/main" id="{553DFDDA-B0FE-42D1-B535-F9B3E9288DE2}"/>
               </a:ext>
             </a:extLst>
           </p:cNvPr>
@@ -1597,7 +1597,7 @@
           <p:cNvPr id="4" name="内容占位符 3">
             <a:extLst>
               <a:ext uri="{FF2B5EF4-FFF2-40B4-BE49-F238E27FC236}">
-                <a16:creationId xmlns:a16="http://schemas.microsoft.com/office/drawing/2014/main" id="{C8AA06CF-901C-02B8-4B12-9C94AAAB5B68}"/>
+                <a16:creationId xmlns:a16="http://schemas.microsoft.com/office/drawing/2014/main" id="{671585EF-1575-668A-C0C9-28FDB77AB25B}"/>
               </a:ext>
             </a:extLst>
           </p:cNvPr>
@@ -1659,7 +1659,7 @@
           <p:cNvPr id="5" name="文本占位符 4">
             <a:extLst>
               <a:ext uri="{FF2B5EF4-FFF2-40B4-BE49-F238E27FC236}">
-                <a16:creationId xmlns:a16="http://schemas.microsoft.com/office/drawing/2014/main" id="{EC745A57-1F99-75DE-2D10-57CC3B1DBB54}"/>
+                <a16:creationId xmlns:a16="http://schemas.microsoft.com/office/drawing/2014/main" id="{0CE85494-BEEC-5454-F700-51D62E7F70BB}"/>
               </a:ext>
             </a:extLst>
           </p:cNvPr>
@@ -1730,7 +1730,7 @@
           <p:cNvPr id="6" name="内容占位符 5">
             <a:extLst>
               <a:ext uri="{FF2B5EF4-FFF2-40B4-BE49-F238E27FC236}">
-                <a16:creationId xmlns:a16="http://schemas.microsoft.com/office/drawing/2014/main" id="{2EED773E-BAC3-22CA-D603-F94DB0065BBC}"/>
+                <a16:creationId xmlns:a16="http://schemas.microsoft.com/office/drawing/2014/main" id="{6C0AF633-CA86-F2E1-FB78-4C79FD5B5368}"/>
               </a:ext>
             </a:extLst>
           </p:cNvPr>
@@ -1792,7 +1792,7 @@
           <p:cNvPr id="7" name="日期占位符 6">
             <a:extLst>
               <a:ext uri="{FF2B5EF4-FFF2-40B4-BE49-F238E27FC236}">
-                <a16:creationId xmlns:a16="http://schemas.microsoft.com/office/drawing/2014/main" id="{2B166F4D-04D3-44DB-8E60-D90E07127CC2}"/>
+                <a16:creationId xmlns:a16="http://schemas.microsoft.com/office/drawing/2014/main" id="{76AEA6E6-16C6-5E56-AB3E-1C432EB06B0D}"/>
               </a:ext>
             </a:extLst>
           </p:cNvPr>
@@ -1808,7 +1808,7 @@
           <a:bodyPr/>
           <a:lstStyle/>
           <a:p>
-            <a:fld id="{9A800760-57F1-41CE-909C-269F744CA588}" type="datetimeFigureOut">
+            <a:fld id="{676C16A1-3315-40CF-8FE0-64E9CCEC4C9A}" type="datetimeFigureOut">
               <a:rPr lang="zh-CN" altLang="en-US" smtClean="0"/>
               <a:t>2024/3/10</a:t>
             </a:fld>
@@ -1821,7 +1821,7 @@
           <p:cNvPr id="8" name="页脚占位符 7">
             <a:extLst>
               <a:ext uri="{FF2B5EF4-FFF2-40B4-BE49-F238E27FC236}">
-                <a16:creationId xmlns:a16="http://schemas.microsoft.com/office/drawing/2014/main" id="{11BB0F2C-27FA-57EE-79E7-02FAA541C33F}"/>
+                <a16:creationId xmlns:a16="http://schemas.microsoft.com/office/drawing/2014/main" id="{B67939BB-1605-688C-85C2-671ED245627B}"/>
               </a:ext>
             </a:extLst>
           </p:cNvPr>
@@ -1846,7 +1846,7 @@
           <p:cNvPr id="9" name="灯片编号占位符 8">
             <a:extLst>
               <a:ext uri="{FF2B5EF4-FFF2-40B4-BE49-F238E27FC236}">
-                <a16:creationId xmlns:a16="http://schemas.microsoft.com/office/drawing/2014/main" id="{F09553FB-52E1-5342-8337-838EFECE9B1A}"/>
+                <a16:creationId xmlns:a16="http://schemas.microsoft.com/office/drawing/2014/main" id="{25E9B71D-E510-2B66-0289-F84E2A87A458}"/>
               </a:ext>
             </a:extLst>
           </p:cNvPr>
@@ -1862,7 +1862,7 @@
           <a:bodyPr/>
           <a:lstStyle/>
           <a:p>
-            <a:fld id="{4E4EBC9F-A1C5-4953-AE33-DC13D494462B}" type="slidenum">
+            <a:fld id="{233356D7-F71D-4419-B171-20A966682260}" type="slidenum">
               <a:rPr lang="zh-CN" altLang="en-US" smtClean="0"/>
               <a:t>‹#›</a:t>
             </a:fld>
@@ -1873,7 +1873,7 @@
     </p:spTree>
     <p:extLst>
       <p:ext uri="{BB962C8B-B14F-4D97-AF65-F5344CB8AC3E}">
-        <p14:creationId xmlns:p14="http://schemas.microsoft.com/office/powerpoint/2010/main" val="2113105057"/>
+        <p14:creationId xmlns:p14="http://schemas.microsoft.com/office/powerpoint/2010/main" val="1804475089"/>
       </p:ext>
     </p:extLst>
   </p:cSld>
@@ -1905,7 +1905,7 @@
           <p:cNvPr id="2" name="标题 1">
             <a:extLst>
               <a:ext uri="{FF2B5EF4-FFF2-40B4-BE49-F238E27FC236}">
-                <a16:creationId xmlns:a16="http://schemas.microsoft.com/office/drawing/2014/main" id="{D7C82E07-5E4C-B783-C5CC-67A3EED678CF}"/>
+                <a16:creationId xmlns:a16="http://schemas.microsoft.com/office/drawing/2014/main" id="{9FBEE95A-E6BA-0BCF-8FD2-BC000C6545BD}"/>
               </a:ext>
             </a:extLst>
           </p:cNvPr>
@@ -1933,7 +1933,7 @@
           <p:cNvPr id="3" name="日期占位符 2">
             <a:extLst>
               <a:ext uri="{FF2B5EF4-FFF2-40B4-BE49-F238E27FC236}">
-                <a16:creationId xmlns:a16="http://schemas.microsoft.com/office/drawing/2014/main" id="{4CCEBE26-F9A7-F1CA-A458-F299FAFCB042}"/>
+                <a16:creationId xmlns:a16="http://schemas.microsoft.com/office/drawing/2014/main" id="{26B27147-346F-B137-74C5-64680B95012F}"/>
               </a:ext>
             </a:extLst>
           </p:cNvPr>
@@ -1949,7 +1949,7 @@
           <a:bodyPr/>
           <a:lstStyle/>
           <a:p>
-            <a:fld id="{9A800760-57F1-41CE-909C-269F744CA588}" type="datetimeFigureOut">
+            <a:fld id="{676C16A1-3315-40CF-8FE0-64E9CCEC4C9A}" type="datetimeFigureOut">
               <a:rPr lang="zh-CN" altLang="en-US" smtClean="0"/>
               <a:t>2024/3/10</a:t>
             </a:fld>
@@ -1962,7 +1962,7 @@
           <p:cNvPr id="4" name="页脚占位符 3">
             <a:extLst>
               <a:ext uri="{FF2B5EF4-FFF2-40B4-BE49-F238E27FC236}">
-                <a16:creationId xmlns:a16="http://schemas.microsoft.com/office/drawing/2014/main" id="{0E8332F8-A751-8C97-19D2-7F4028C4FE47}"/>
+                <a16:creationId xmlns:a16="http://schemas.microsoft.com/office/drawing/2014/main" id="{78DF50B8-63D2-0279-5E60-A63BC2E92A3B}"/>
               </a:ext>
             </a:extLst>
           </p:cNvPr>
@@ -1987,7 +1987,7 @@
           <p:cNvPr id="5" name="灯片编号占位符 4">
             <a:extLst>
               <a:ext uri="{FF2B5EF4-FFF2-40B4-BE49-F238E27FC236}">
-                <a16:creationId xmlns:a16="http://schemas.microsoft.com/office/drawing/2014/main" id="{20647ED3-76A5-6348-4494-49256B6C2D83}"/>
+                <a16:creationId xmlns:a16="http://schemas.microsoft.com/office/drawing/2014/main" id="{6CEF8ADB-E116-93E4-F7C9-6C220524F6AB}"/>
               </a:ext>
             </a:extLst>
           </p:cNvPr>
@@ -2003,7 +2003,7 @@
           <a:bodyPr/>
           <a:lstStyle/>
           <a:p>
-            <a:fld id="{4E4EBC9F-A1C5-4953-AE33-DC13D494462B}" type="slidenum">
+            <a:fld id="{233356D7-F71D-4419-B171-20A966682260}" type="slidenum">
               <a:rPr lang="zh-CN" altLang="en-US" smtClean="0"/>
               <a:t>‹#›</a:t>
             </a:fld>
@@ -2014,7 +2014,7 @@
     </p:spTree>
     <p:extLst>
       <p:ext uri="{BB962C8B-B14F-4D97-AF65-F5344CB8AC3E}">
-        <p14:creationId xmlns:p14="http://schemas.microsoft.com/office/powerpoint/2010/main" val="424674863"/>
+        <p14:creationId xmlns:p14="http://schemas.microsoft.com/office/powerpoint/2010/main" val="100930763"/>
       </p:ext>
     </p:extLst>
   </p:cSld>
@@ -2046,7 +2046,7 @@
           <p:cNvPr id="2" name="日期占位符 1">
             <a:extLst>
               <a:ext uri="{FF2B5EF4-FFF2-40B4-BE49-F238E27FC236}">
-                <a16:creationId xmlns:a16="http://schemas.microsoft.com/office/drawing/2014/main" id="{3137D7C5-61F6-8EB5-5AA8-1342FD36EDB5}"/>
+                <a16:creationId xmlns:a16="http://schemas.microsoft.com/office/drawing/2014/main" id="{E8C027C0-22A5-6E6E-79EE-2A418B7BA1F7}"/>
               </a:ext>
             </a:extLst>
           </p:cNvPr>
@@ -2062,7 +2062,7 @@
           <a:bodyPr/>
           <a:lstStyle/>
           <a:p>
-            <a:fld id="{9A800760-57F1-41CE-909C-269F744CA588}" type="datetimeFigureOut">
+            <a:fld id="{676C16A1-3315-40CF-8FE0-64E9CCEC4C9A}" type="datetimeFigureOut">
               <a:rPr lang="zh-CN" altLang="en-US" smtClean="0"/>
               <a:t>2024/3/10</a:t>
             </a:fld>
@@ -2075,7 +2075,7 @@
           <p:cNvPr id="3" name="页脚占位符 2">
             <a:extLst>
               <a:ext uri="{FF2B5EF4-FFF2-40B4-BE49-F238E27FC236}">
-                <a16:creationId xmlns:a16="http://schemas.microsoft.com/office/drawing/2014/main" id="{E3BA76A9-8DE2-ECE2-8EE0-08B6B5BB45FA}"/>
+                <a16:creationId xmlns:a16="http://schemas.microsoft.com/office/drawing/2014/main" id="{D5FD2937-ED9F-404E-DF66-8D600F0D103E}"/>
               </a:ext>
             </a:extLst>
           </p:cNvPr>
@@ -2100,7 +2100,7 @@
           <p:cNvPr id="4" name="灯片编号占位符 3">
             <a:extLst>
               <a:ext uri="{FF2B5EF4-FFF2-40B4-BE49-F238E27FC236}">
-                <a16:creationId xmlns:a16="http://schemas.microsoft.com/office/drawing/2014/main" id="{AC709669-89EB-537E-18CA-573CFCBAC85E}"/>
+                <a16:creationId xmlns:a16="http://schemas.microsoft.com/office/drawing/2014/main" id="{985012AF-A293-3300-F23F-2F656DFD7B0E}"/>
               </a:ext>
             </a:extLst>
           </p:cNvPr>
@@ -2116,7 +2116,7 @@
           <a:bodyPr/>
           <a:lstStyle/>
           <a:p>
-            <a:fld id="{4E4EBC9F-A1C5-4953-AE33-DC13D494462B}" type="slidenum">
+            <a:fld id="{233356D7-F71D-4419-B171-20A966682260}" type="slidenum">
               <a:rPr lang="zh-CN" altLang="en-US" smtClean="0"/>
               <a:t>‹#›</a:t>
             </a:fld>
@@ -2127,7 +2127,7 @@
     </p:spTree>
     <p:extLst>
       <p:ext uri="{BB962C8B-B14F-4D97-AF65-F5344CB8AC3E}">
-        <p14:creationId xmlns:p14="http://schemas.microsoft.com/office/powerpoint/2010/main" val="3037454675"/>
+        <p14:creationId xmlns:p14="http://schemas.microsoft.com/office/powerpoint/2010/main" val="3272563691"/>
       </p:ext>
     </p:extLst>
   </p:cSld>
@@ -2159,7 +2159,7 @@
           <p:cNvPr id="2" name="标题 1">
             <a:extLst>
               <a:ext uri="{FF2B5EF4-FFF2-40B4-BE49-F238E27FC236}">
-                <a16:creationId xmlns:a16="http://schemas.microsoft.com/office/drawing/2014/main" id="{66FB3851-78E3-36AB-7225-8A8C6CAA4F0F}"/>
+                <a16:creationId xmlns:a16="http://schemas.microsoft.com/office/drawing/2014/main" id="{E23FC4C9-6CE8-475F-FBA9-28E55612F167}"/>
               </a:ext>
             </a:extLst>
           </p:cNvPr>
@@ -2196,7 +2196,7 @@
           <p:cNvPr id="3" name="内容占位符 2">
             <a:extLst>
               <a:ext uri="{FF2B5EF4-FFF2-40B4-BE49-F238E27FC236}">
-                <a16:creationId xmlns:a16="http://schemas.microsoft.com/office/drawing/2014/main" id="{DAAEE537-04C9-E0CB-8470-4A8AE387CA25}"/>
+                <a16:creationId xmlns:a16="http://schemas.microsoft.com/office/drawing/2014/main" id="{3D6008B0-7F56-632B-2712-35D595592303}"/>
               </a:ext>
             </a:extLst>
           </p:cNvPr>
@@ -2286,7 +2286,7 @@
           <p:cNvPr id="4" name="文本占位符 3">
             <a:extLst>
               <a:ext uri="{FF2B5EF4-FFF2-40B4-BE49-F238E27FC236}">
-                <a16:creationId xmlns:a16="http://schemas.microsoft.com/office/drawing/2014/main" id="{E298BF3F-B2E8-84BB-4622-5E458DEAAF20}"/>
+                <a16:creationId xmlns:a16="http://schemas.microsoft.com/office/drawing/2014/main" id="{8B3690DD-1485-3B4C-2DD4-D99249381A54}"/>
               </a:ext>
             </a:extLst>
           </p:cNvPr>
@@ -2357,7 +2357,7 @@
           <p:cNvPr id="5" name="日期占位符 4">
             <a:extLst>
               <a:ext uri="{FF2B5EF4-FFF2-40B4-BE49-F238E27FC236}">
-                <a16:creationId xmlns:a16="http://schemas.microsoft.com/office/drawing/2014/main" id="{2FD3E013-1645-8837-8436-B79BA71C1487}"/>
+                <a16:creationId xmlns:a16="http://schemas.microsoft.com/office/drawing/2014/main" id="{D8B6EFF3-16B8-9DA0-4D36-261EFFA7D7AE}"/>
               </a:ext>
             </a:extLst>
           </p:cNvPr>
@@ -2373,7 +2373,7 @@
           <a:bodyPr/>
           <a:lstStyle/>
           <a:p>
-            <a:fld id="{9A800760-57F1-41CE-909C-269F744CA588}" type="datetimeFigureOut">
+            <a:fld id="{676C16A1-3315-40CF-8FE0-64E9CCEC4C9A}" type="datetimeFigureOut">
               <a:rPr lang="zh-CN" altLang="en-US" smtClean="0"/>
               <a:t>2024/3/10</a:t>
             </a:fld>
@@ -2386,7 +2386,7 @@
           <p:cNvPr id="6" name="页脚占位符 5">
             <a:extLst>
               <a:ext uri="{FF2B5EF4-FFF2-40B4-BE49-F238E27FC236}">
-                <a16:creationId xmlns:a16="http://schemas.microsoft.com/office/drawing/2014/main" id="{34FFCC72-FEA2-7AD9-D36F-A54C60E08B20}"/>
+                <a16:creationId xmlns:a16="http://schemas.microsoft.com/office/drawing/2014/main" id="{AD6A7A98-9770-D63A-09C8-BDD8B107F4DC}"/>
               </a:ext>
             </a:extLst>
           </p:cNvPr>
@@ -2411,7 +2411,7 @@
           <p:cNvPr id="7" name="灯片编号占位符 6">
             <a:extLst>
               <a:ext uri="{FF2B5EF4-FFF2-40B4-BE49-F238E27FC236}">
-                <a16:creationId xmlns:a16="http://schemas.microsoft.com/office/drawing/2014/main" id="{5C40B573-60C7-1303-9B8A-9673AB390460}"/>
+                <a16:creationId xmlns:a16="http://schemas.microsoft.com/office/drawing/2014/main" id="{90EC9E2C-4500-052B-8235-3B35D884FE71}"/>
               </a:ext>
             </a:extLst>
           </p:cNvPr>
@@ -2427,7 +2427,7 @@
           <a:bodyPr/>
           <a:lstStyle/>
           <a:p>
-            <a:fld id="{4E4EBC9F-A1C5-4953-AE33-DC13D494462B}" type="slidenum">
+            <a:fld id="{233356D7-F71D-4419-B171-20A966682260}" type="slidenum">
               <a:rPr lang="zh-CN" altLang="en-US" smtClean="0"/>
               <a:t>‹#›</a:t>
             </a:fld>
@@ -2438,7 +2438,7 @@
     </p:spTree>
     <p:extLst>
       <p:ext uri="{BB962C8B-B14F-4D97-AF65-F5344CB8AC3E}">
-        <p14:creationId xmlns:p14="http://schemas.microsoft.com/office/powerpoint/2010/main" val="3736597988"/>
+        <p14:creationId xmlns:p14="http://schemas.microsoft.com/office/powerpoint/2010/main" val="346217329"/>
       </p:ext>
     </p:extLst>
   </p:cSld>
@@ -2470,7 +2470,7 @@
           <p:cNvPr id="2" name="标题 1">
             <a:extLst>
               <a:ext uri="{FF2B5EF4-FFF2-40B4-BE49-F238E27FC236}">
-                <a16:creationId xmlns:a16="http://schemas.microsoft.com/office/drawing/2014/main" id="{D812D013-71A6-CE48-8809-8B5AC461E878}"/>
+                <a16:creationId xmlns:a16="http://schemas.microsoft.com/office/drawing/2014/main" id="{A04DC2C9-61EF-2804-1ADC-940C2CA63F2F}"/>
               </a:ext>
             </a:extLst>
           </p:cNvPr>
@@ -2507,7 +2507,7 @@
           <p:cNvPr id="3" name="图片占位符 2">
             <a:extLst>
               <a:ext uri="{FF2B5EF4-FFF2-40B4-BE49-F238E27FC236}">
-                <a16:creationId xmlns:a16="http://schemas.microsoft.com/office/drawing/2014/main" id="{03ECDE86-4C49-A810-2C73-603C73D2B4A0}"/>
+                <a16:creationId xmlns:a16="http://schemas.microsoft.com/office/drawing/2014/main" id="{F09906B5-9455-D118-9987-7BD79E5AA841}"/>
               </a:ext>
             </a:extLst>
           </p:cNvPr>
@@ -2574,7 +2574,7 @@
           <p:cNvPr id="4" name="文本占位符 3">
             <a:extLst>
               <a:ext uri="{FF2B5EF4-FFF2-40B4-BE49-F238E27FC236}">
-                <a16:creationId xmlns:a16="http://schemas.microsoft.com/office/drawing/2014/main" id="{5D21886E-684F-C763-99D3-E472C8AE5206}"/>
+                <a16:creationId xmlns:a16="http://schemas.microsoft.com/office/drawing/2014/main" id="{A8844043-B9DA-A35F-BE7A-0E59D66F5529}"/>
               </a:ext>
             </a:extLst>
           </p:cNvPr>
@@ -2645,7 +2645,7 @@
           <p:cNvPr id="5" name="日期占位符 4">
             <a:extLst>
               <a:ext uri="{FF2B5EF4-FFF2-40B4-BE49-F238E27FC236}">
-                <a16:creationId xmlns:a16="http://schemas.microsoft.com/office/drawing/2014/main" id="{E1A55B36-A652-4137-6973-7DE037FB4F72}"/>
+                <a16:creationId xmlns:a16="http://schemas.microsoft.com/office/drawing/2014/main" id="{C73E258A-C064-AC89-B7D4-074546E7A3C3}"/>
               </a:ext>
             </a:extLst>
           </p:cNvPr>
@@ -2661,7 +2661,7 @@
           <a:bodyPr/>
           <a:lstStyle/>
           <a:p>
-            <a:fld id="{9A800760-57F1-41CE-909C-269F744CA588}" type="datetimeFigureOut">
+            <a:fld id="{676C16A1-3315-40CF-8FE0-64E9CCEC4C9A}" type="datetimeFigureOut">
               <a:rPr lang="zh-CN" altLang="en-US" smtClean="0"/>
               <a:t>2024/3/10</a:t>
             </a:fld>
@@ -2674,7 +2674,7 @@
           <p:cNvPr id="6" name="页脚占位符 5">
             <a:extLst>
               <a:ext uri="{FF2B5EF4-FFF2-40B4-BE49-F238E27FC236}">
-                <a16:creationId xmlns:a16="http://schemas.microsoft.com/office/drawing/2014/main" id="{2B9EA003-0CEB-6BE0-92F9-441EB3983D86}"/>
+                <a16:creationId xmlns:a16="http://schemas.microsoft.com/office/drawing/2014/main" id="{202C4994-331C-257D-6062-745B04BF9626}"/>
               </a:ext>
             </a:extLst>
           </p:cNvPr>
@@ -2699,7 +2699,7 @@
           <p:cNvPr id="7" name="灯片编号占位符 6">
             <a:extLst>
               <a:ext uri="{FF2B5EF4-FFF2-40B4-BE49-F238E27FC236}">
-                <a16:creationId xmlns:a16="http://schemas.microsoft.com/office/drawing/2014/main" id="{F3CD03F2-727C-B194-D660-9E33D85DD885}"/>
+                <a16:creationId xmlns:a16="http://schemas.microsoft.com/office/drawing/2014/main" id="{FE9EBF9C-5E40-806B-D350-5A493D5B405A}"/>
               </a:ext>
             </a:extLst>
           </p:cNvPr>
@@ -2715,7 +2715,7 @@
           <a:bodyPr/>
           <a:lstStyle/>
           <a:p>
-            <a:fld id="{4E4EBC9F-A1C5-4953-AE33-DC13D494462B}" type="slidenum">
+            <a:fld id="{233356D7-F71D-4419-B171-20A966682260}" type="slidenum">
               <a:rPr lang="zh-CN" altLang="en-US" smtClean="0"/>
               <a:t>‹#›</a:t>
             </a:fld>
@@ -2726,7 +2726,7 @@
     </p:spTree>
     <p:extLst>
       <p:ext uri="{BB962C8B-B14F-4D97-AF65-F5344CB8AC3E}">
-        <p14:creationId xmlns:p14="http://schemas.microsoft.com/office/powerpoint/2010/main" val="3486523470"/>
+        <p14:creationId xmlns:p14="http://schemas.microsoft.com/office/powerpoint/2010/main" val="4049254698"/>
       </p:ext>
     </p:extLst>
   </p:cSld>
@@ -2763,7 +2763,7 @@
           <p:cNvPr id="2" name="标题占位符 1">
             <a:extLst>
               <a:ext uri="{FF2B5EF4-FFF2-40B4-BE49-F238E27FC236}">
-                <a16:creationId xmlns:a16="http://schemas.microsoft.com/office/drawing/2014/main" id="{DD388EB0-3F04-4D6C-DD74-953F3D6C4668}"/>
+                <a16:creationId xmlns:a16="http://schemas.microsoft.com/office/drawing/2014/main" id="{279E0A17-101B-BB53-78C0-696CCB200529}"/>
               </a:ext>
             </a:extLst>
           </p:cNvPr>
@@ -2801,7 +2801,7 @@
           <p:cNvPr id="3" name="文本占位符 2">
             <a:extLst>
               <a:ext uri="{FF2B5EF4-FFF2-40B4-BE49-F238E27FC236}">
-                <a16:creationId xmlns:a16="http://schemas.microsoft.com/office/drawing/2014/main" id="{5A3C96A7-955B-3DD1-FA3C-55B544F27FFE}"/>
+                <a16:creationId xmlns:a16="http://schemas.microsoft.com/office/drawing/2014/main" id="{60E5C428-E0AB-E927-7664-E4C827285C6D}"/>
               </a:ext>
             </a:extLst>
           </p:cNvPr>
@@ -2868,7 +2868,7 @@
           <p:cNvPr id="4" name="日期占位符 3">
             <a:extLst>
               <a:ext uri="{FF2B5EF4-FFF2-40B4-BE49-F238E27FC236}">
-                <a16:creationId xmlns:a16="http://schemas.microsoft.com/office/drawing/2014/main" id="{D039AE2B-0629-40E6-15CE-405BC6EA8A15}"/>
+                <a16:creationId xmlns:a16="http://schemas.microsoft.com/office/drawing/2014/main" id="{748017E0-893E-182D-2A93-3029CACC1F93}"/>
               </a:ext>
             </a:extLst>
           </p:cNvPr>
@@ -2902,7 +2902,7 @@
             </a:lvl1pPr>
           </a:lstStyle>
           <a:p>
-            <a:fld id="{9A800760-57F1-41CE-909C-269F744CA588}" type="datetimeFigureOut">
+            <a:fld id="{676C16A1-3315-40CF-8FE0-64E9CCEC4C9A}" type="datetimeFigureOut">
               <a:rPr lang="zh-CN" altLang="en-US" smtClean="0"/>
               <a:t>2024/3/10</a:t>
             </a:fld>
@@ -2915,7 +2915,7 @@
           <p:cNvPr id="5" name="页脚占位符 4">
             <a:extLst>
               <a:ext uri="{FF2B5EF4-FFF2-40B4-BE49-F238E27FC236}">
-                <a16:creationId xmlns:a16="http://schemas.microsoft.com/office/drawing/2014/main" id="{143E3F57-0CD8-8008-BDEC-AAF25F8D8016}"/>
+                <a16:creationId xmlns:a16="http://schemas.microsoft.com/office/drawing/2014/main" id="{A809B7C5-AC4C-8E0F-1873-7C239C946DB8}"/>
               </a:ext>
             </a:extLst>
           </p:cNvPr>
@@ -2958,7 +2958,7 @@
           <p:cNvPr id="6" name="灯片编号占位符 5">
             <a:extLst>
               <a:ext uri="{FF2B5EF4-FFF2-40B4-BE49-F238E27FC236}">
-                <a16:creationId xmlns:a16="http://schemas.microsoft.com/office/drawing/2014/main" id="{6E0C2BF7-5DE9-C33B-F54C-60304BEF011C}"/>
+                <a16:creationId xmlns:a16="http://schemas.microsoft.com/office/drawing/2014/main" id="{2252E3EE-181B-621F-651B-7B6BA4D87C4B}"/>
               </a:ext>
             </a:extLst>
           </p:cNvPr>
@@ -2992,7 +2992,7 @@
             </a:lvl1pPr>
           </a:lstStyle>
           <a:p>
-            <a:fld id="{4E4EBC9F-A1C5-4953-AE33-DC13D494462B}" type="slidenum">
+            <a:fld id="{233356D7-F71D-4419-B171-20A966682260}" type="slidenum">
               <a:rPr lang="zh-CN" altLang="en-US" smtClean="0"/>
               <a:t>‹#›</a:t>
             </a:fld>
@@ -3003,7 +3003,7 @@
     </p:spTree>
     <p:extLst>
       <p:ext uri="{BB962C8B-B14F-4D97-AF65-F5344CB8AC3E}">
-        <p14:creationId xmlns:p14="http://schemas.microsoft.com/office/powerpoint/2010/main" val="23109237"/>
+        <p14:creationId xmlns:p14="http://schemas.microsoft.com/office/powerpoint/2010/main" val="3052320160"/>
       </p:ext>
     </p:extLst>
   </p:cSld>
@@ -3323,7 +3323,7 @@
       </p:grpSpPr>
       <p:pic>
         <p:nvPicPr>
-          <p:cNvPr id="1018882" name="Picture 2" descr="994"/>
+          <p:cNvPr id="1019906" name="Picture 2" descr="995"/>
           <p:cNvPicPr>
             <a:picLocks noChangeAspect="1" noChangeArrowheads="1"/>
           </p:cNvPicPr>
@@ -3344,8 +3344,8 @@
         </p:blipFill>
         <p:spPr bwMode="auto">
           <a:xfrm>
-            <a:off x="1524000" y="0"/>
-            <a:ext cx="9144000" cy="6858000"/>
+            <a:off x="1543050" y="14288"/>
+            <a:ext cx="9124950" cy="6843712"/>
           </a:xfrm>
           <a:prstGeom prst="rect">
             <a:avLst/>
@@ -3377,7 +3377,7 @@
       </p:pic>
       <p:pic>
         <p:nvPicPr>
-          <p:cNvPr id="1019907" name="Picture 3" descr="994-2"/>
+          <p:cNvPr id="1020931" name="Picture 3" descr="995-2"/>
           <p:cNvPicPr>
             <a:picLocks noChangeAspect="1" noChangeArrowheads="1"/>
           </p:cNvPicPr>
@@ -3398,8 +3398,8 @@
         </p:blipFill>
         <p:spPr bwMode="auto">
           <a:xfrm>
-            <a:off x="1501776" y="0"/>
-            <a:ext cx="9129713" cy="6858000"/>
+            <a:off x="1524000" y="0"/>
+            <a:ext cx="9144000" cy="6858000"/>
           </a:xfrm>
           <a:prstGeom prst="rect">
             <a:avLst/>
@@ -3478,7 +3478,7 @@
                                           </p:stCondLst>
                                         </p:cTn>
                                         <p:tgtEl>
-                                          <p:spTgt spid="1019907"/>
+                                          <p:spTgt spid="1020931"/>
                                         </p:tgtEl>
                                         <p:attrNameLst>
                                           <p:attrName>style.visibility</p:attrName>
@@ -3492,7 +3492,7 @@
                                       <p:cBhvr>
                                         <p:cTn id="7" dur="500"/>
                                         <p:tgtEl>
-                                          <p:spTgt spid="1019907"/>
+                                          <p:spTgt spid="1020931"/>
                                         </p:tgtEl>
                                       </p:cBhvr>
                                     </p:animEffect>
